--- a/미로 프로젝트.pptx
+++ b/미로 프로젝트.pptx
@@ -5481,6 +5481,36 @@
       </p:grpSpPr>
       <p:pic>
         <p:nvPicPr>
+          <p:cNvPr id="7" name="그림 6">
+            <a:extLst>
+              <a:ext uri="{FF2B5EF4-FFF2-40B4-BE49-F238E27FC236}">
+                <a16:creationId xmlns:a16="http://schemas.microsoft.com/office/drawing/2014/main" id="{84132087-3F63-44A5-BCA4-31DA16F9AB76}"/>
+              </a:ext>
+            </a:extLst>
+          </p:cNvPr>
+          <p:cNvPicPr>
+            <a:picLocks noChangeAspect="1"/>
+          </p:cNvPicPr>
+          <p:nvPr/>
+        </p:nvPicPr>
+        <p:blipFill>
+          <a:blip r:embed="rId2"/>
+          <a:stretch>
+            <a:fillRect/>
+          </a:stretch>
+        </p:blipFill>
+        <p:spPr>
+          <a:xfrm>
+            <a:off x="5103821" y="1623307"/>
+            <a:ext cx="3943900" cy="5163271"/>
+          </a:xfrm>
+          <a:prstGeom prst="rect">
+            <a:avLst/>
+          </a:prstGeom>
+        </p:spPr>
+      </p:pic>
+      <p:pic>
+        <p:nvPicPr>
           <p:cNvPr id="18" name="그림 17">
             <a:extLst>
               <a:ext uri="{FF2B5EF4-FFF2-40B4-BE49-F238E27FC236}">
@@ -5494,7 +5524,7 @@
           <p:nvPr/>
         </p:nvPicPr>
         <p:blipFill>
-          <a:blip r:embed="rId2"/>
+          <a:blip r:embed="rId3"/>
           <a:stretch>
             <a:fillRect/>
           </a:stretch>
@@ -5826,36 +5856,6 @@
           </a:p>
         </p:txBody>
       </p:sp>
-      <p:pic>
-        <p:nvPicPr>
-          <p:cNvPr id="30" name="그림 29">
-            <a:extLst>
-              <a:ext uri="{FF2B5EF4-FFF2-40B4-BE49-F238E27FC236}">
-                <a16:creationId xmlns:a16="http://schemas.microsoft.com/office/drawing/2014/main" id="{44F38072-D500-4FE0-A47D-F0ACE52D8AD6}"/>
-              </a:ext>
-            </a:extLst>
-          </p:cNvPr>
-          <p:cNvPicPr>
-            <a:picLocks noChangeAspect="1"/>
-          </p:cNvPicPr>
-          <p:nvPr/>
-        </p:nvPicPr>
-        <p:blipFill>
-          <a:blip r:embed="rId3"/>
-          <a:stretch>
-            <a:fillRect/>
-          </a:stretch>
-        </p:blipFill>
-        <p:spPr>
-          <a:xfrm>
-            <a:off x="5111178" y="1615127"/>
-            <a:ext cx="4096322" cy="5087060"/>
-          </a:xfrm>
-          <a:prstGeom prst="rect">
-            <a:avLst/>
-          </a:prstGeom>
-        </p:spPr>
-      </p:pic>
       <p:sp>
         <p:nvSpPr>
           <p:cNvPr id="32" name="직사각형 31">
@@ -5870,7 +5870,7 @@
         </p:nvSpPr>
         <p:spPr>
           <a:xfrm>
-            <a:off x="7814225" y="4055842"/>
+            <a:off x="7247390" y="4059017"/>
             <a:ext cx="982961" cy="205629"/>
           </a:xfrm>
           <a:prstGeom prst="rect">
@@ -5922,7 +5922,7 @@
         </p:nvSpPr>
         <p:spPr>
           <a:xfrm>
-            <a:off x="7814225" y="4354580"/>
+            <a:off x="7247390" y="4357755"/>
             <a:ext cx="982961" cy="205629"/>
           </a:xfrm>
           <a:prstGeom prst="rect">
@@ -5974,7 +5974,7 @@
         </p:nvSpPr>
         <p:spPr>
           <a:xfrm>
-            <a:off x="7208444" y="4909492"/>
+            <a:off x="7259244" y="4871392"/>
             <a:ext cx="795411" cy="205629"/>
           </a:xfrm>
           <a:prstGeom prst="rect">
@@ -6026,7 +6026,7 @@
         </p:nvSpPr>
         <p:spPr>
           <a:xfrm>
-            <a:off x="7208444" y="5208230"/>
+            <a:off x="7259244" y="5170130"/>
             <a:ext cx="795411" cy="205629"/>
           </a:xfrm>
           <a:prstGeom prst="rect">
@@ -6078,7 +6078,7 @@
         </p:nvSpPr>
         <p:spPr>
           <a:xfrm>
-            <a:off x="7416519" y="5506968"/>
+            <a:off x="7467319" y="5468868"/>
             <a:ext cx="1875835" cy="205629"/>
           </a:xfrm>
           <a:prstGeom prst="rect">
@@ -6144,7 +6144,7 @@
         </p:nvSpPr>
         <p:spPr>
           <a:xfrm>
-            <a:off x="7177211" y="5763142"/>
+            <a:off x="7228011" y="5725042"/>
             <a:ext cx="1922321" cy="205629"/>
           </a:xfrm>
           <a:prstGeom prst="rect">
@@ -6192,7 +6192,7 @@
         </p:nvSpPr>
         <p:spPr>
           <a:xfrm>
-            <a:off x="7177211" y="6027035"/>
+            <a:off x="7228011" y="5988935"/>
             <a:ext cx="936475" cy="205629"/>
           </a:xfrm>
           <a:prstGeom prst="rect">
@@ -6240,7 +6240,7 @@
         </p:nvSpPr>
         <p:spPr>
           <a:xfrm>
-            <a:off x="7369230" y="6311576"/>
+            <a:off x="7420030" y="6273476"/>
             <a:ext cx="2250937" cy="205629"/>
           </a:xfrm>
           <a:prstGeom prst="rect">
@@ -6643,7 +6643,7 @@
         </p:nvSpPr>
         <p:spPr>
           <a:xfrm>
-            <a:off x="8088060" y="4636670"/>
+            <a:off x="8138860" y="4598570"/>
             <a:ext cx="1452642" cy="374906"/>
           </a:xfrm>
           <a:prstGeom prst="rect">
@@ -8171,12 +8171,11 @@
 </file>
 
 <file path=customXml/item1.xml><?xml version="1.0" encoding="utf-8"?>
-<?mso-contentType ?>
-<FormTemplates xmlns="http://schemas.microsoft.com/sharepoint/v3/contenttype/forms">
-  <Display>DocumentLibraryForm</Display>
-  <Edit>DocumentLibraryForm</Edit>
-  <New>DocumentLibraryForm</New>
-</FormTemplates>
+<p:properties xmlns:p="http://schemas.microsoft.com/office/2006/metadata/properties" xmlns:xsi="http://www.w3.org/2001/XMLSchema-instance" xmlns:pc="http://schemas.microsoft.com/office/infopath/2007/PartnerControls">
+  <documentManagement>
+    <ReferenceId xmlns="cd601116-500b-4ef0-a24a-aeb7e69265c8" xsi:nil="true"/>
+  </documentManagement>
+</p:properties>
 </file>
 
 <file path=customXml/item2.xml><?xml version="1.0" encoding="utf-8"?>
@@ -8356,17 +8355,20 @@
 </file>
 
 <file path=customXml/item3.xml><?xml version="1.0" encoding="utf-8"?>
-<p:properties xmlns:p="http://schemas.microsoft.com/office/2006/metadata/properties" xmlns:xsi="http://www.w3.org/2001/XMLSchema-instance" xmlns:pc="http://schemas.microsoft.com/office/infopath/2007/PartnerControls">
-  <documentManagement>
-    <ReferenceId xmlns="cd601116-500b-4ef0-a24a-aeb7e69265c8" xsi:nil="true"/>
-  </documentManagement>
-</p:properties>
+<?mso-contentType ?>
+<FormTemplates xmlns="http://schemas.microsoft.com/sharepoint/v3/contenttype/forms">
+  <Display>DocumentLibraryForm</Display>
+  <Edit>DocumentLibraryForm</Edit>
+  <New>DocumentLibraryForm</New>
+</FormTemplates>
 </file>
 
 <file path=customXml/itemProps1.xml><?xml version="1.0" encoding="utf-8"?>
-<ds:datastoreItem xmlns:ds="http://schemas.openxmlformats.org/officeDocument/2006/customXml" ds:itemID="{055F0D9D-DD2E-46F1-80FD-1C2F0F626F98}">
+<ds:datastoreItem xmlns:ds="http://schemas.openxmlformats.org/officeDocument/2006/customXml" ds:itemID="{A8651187-7939-4F69-A224-3299B421EE97}">
   <ds:schemaRefs>
-    <ds:schemaRef ds:uri="http://schemas.microsoft.com/sharepoint/v3/contenttype/forms"/>
+    <ds:schemaRef ds:uri="http://schemas.microsoft.com/office/2006/metadata/properties"/>
+    <ds:schemaRef ds:uri="http://schemas.microsoft.com/office/infopath/2007/PartnerControls"/>
+    <ds:schemaRef ds:uri="cd601116-500b-4ef0-a24a-aeb7e69265c8"/>
   </ds:schemaRefs>
 </ds:datastoreItem>
 </file>
@@ -8390,11 +8392,9 @@
 </file>
 
 <file path=customXml/itemProps3.xml><?xml version="1.0" encoding="utf-8"?>
-<ds:datastoreItem xmlns:ds="http://schemas.openxmlformats.org/officeDocument/2006/customXml" ds:itemID="{A8651187-7939-4F69-A224-3299B421EE97}">
+<ds:datastoreItem xmlns:ds="http://schemas.openxmlformats.org/officeDocument/2006/customXml" ds:itemID="{055F0D9D-DD2E-46F1-80FD-1C2F0F626F98}">
   <ds:schemaRefs>
-    <ds:schemaRef ds:uri="http://schemas.microsoft.com/office/2006/metadata/properties"/>
-    <ds:schemaRef ds:uri="http://schemas.microsoft.com/office/infopath/2007/PartnerControls"/>
-    <ds:schemaRef ds:uri="cd601116-500b-4ef0-a24a-aeb7e69265c8"/>
+    <ds:schemaRef ds:uri="http://schemas.microsoft.com/sharepoint/v3/contenttype/forms"/>
   </ds:schemaRefs>
 </ds:datastoreItem>
 </file>